--- a/이전스터디내용/[171205]MSRC trace 분석.pptx
+++ b/이전스터디내용/[171205]MSRC trace 분석.pptx
@@ -4441,7 +4441,13 @@
           <a:p>
             <a:r>
               <a:rPr lang="en-US" altLang="ko-KR" dirty="0"/>
-              <a:t>Block-level traces from an enterprise data center, which motivates write off-loading </a:t>
+              <a:t>Block-level traces from an enterprise data center, which motivates write off-loading</a:t>
+            </a:r>
+          </a:p>
+          <a:p>
+            <a:r>
+              <a:rPr lang="en-US" altLang="ko-KR" dirty="0"/>
+              <a:t>Less I/O intensive than TCP benchmarks  </a:t>
             </a:r>
             <a:endParaRPr lang="ko-KR" altLang="en-US" dirty="0"/>
           </a:p>
@@ -4469,8 +4475,8 @@
         </p:blipFill>
         <p:spPr>
           <a:xfrm>
-            <a:off x="6559717" y="2509712"/>
-            <a:ext cx="4591050" cy="3905250"/>
+            <a:off x="7696201" y="2536641"/>
+            <a:ext cx="3867150" cy="3289484"/>
           </a:xfrm>
           <a:prstGeom prst="rect">
             <a:avLst/>
